--- a/130-XAML in Xamarin.Forms/[XAM130]XAML in Xamarin.Forms.pptx
+++ b/130-XAML in Xamarin.Forms/[XAM130]XAML in Xamarin.Forms.pptx
@@ -220,7 +220,7 @@
           <a:p>
             <a:fld id="{692FDA7D-55D9-49F2-9CD3-09A7FFC86B80}" type="datetimeFigureOut">
               <a:rPr lang="ko-KR" altLang="en-US" smtClean="0"/>
-              <a:t>2017-03-26</a:t>
+              <a:t>2017-03-27</a:t>
             </a:fld>
             <a:endParaRPr lang="ko-KR" altLang="en-US"/>
           </a:p>
@@ -952,7 +952,7 @@
           <a:p>
             <a:fld id="{1654ACF3-E943-4A23-A21B-2BBF8F7FF799}" type="datetimeFigureOut">
               <a:rPr lang="ko-KR" altLang="en-US" smtClean="0"/>
-              <a:t>2017-03-26</a:t>
+              <a:t>2017-03-27</a:t>
             </a:fld>
             <a:endParaRPr lang="ko-KR" altLang="en-US"/>
           </a:p>
@@ -1152,7 +1152,7 @@
           <a:p>
             <a:fld id="{1654ACF3-E943-4A23-A21B-2BBF8F7FF799}" type="datetimeFigureOut">
               <a:rPr lang="ko-KR" altLang="en-US" smtClean="0"/>
-              <a:t>2017-03-26</a:t>
+              <a:t>2017-03-27</a:t>
             </a:fld>
             <a:endParaRPr lang="ko-KR" altLang="en-US"/>
           </a:p>
@@ -1362,7 +1362,7 @@
           <a:p>
             <a:fld id="{1654ACF3-E943-4A23-A21B-2BBF8F7FF799}" type="datetimeFigureOut">
               <a:rPr lang="ko-KR" altLang="en-US" smtClean="0"/>
-              <a:t>2017-03-26</a:t>
+              <a:t>2017-03-27</a:t>
             </a:fld>
             <a:endParaRPr lang="ko-KR" altLang="en-US"/>
           </a:p>
@@ -25823,7 +25823,7 @@
           <a:p>
             <a:fld id="{1654ACF3-E943-4A23-A21B-2BBF8F7FF799}" type="datetimeFigureOut">
               <a:rPr lang="ko-KR" altLang="en-US" smtClean="0"/>
-              <a:t>2017-03-26</a:t>
+              <a:t>2017-03-27</a:t>
             </a:fld>
             <a:endParaRPr lang="ko-KR" altLang="en-US"/>
           </a:p>
@@ -27457,7 +27457,7 @@
           <a:p>
             <a:fld id="{1654ACF3-E943-4A23-A21B-2BBF8F7FF799}" type="datetimeFigureOut">
               <a:rPr lang="ko-KR" altLang="en-US" smtClean="0"/>
-              <a:t>2017-03-26</a:t>
+              <a:t>2017-03-27</a:t>
             </a:fld>
             <a:endParaRPr lang="ko-KR" altLang="en-US"/>
           </a:p>
@@ -27725,7 +27725,7 @@
           <a:p>
             <a:fld id="{1654ACF3-E943-4A23-A21B-2BBF8F7FF799}" type="datetimeFigureOut">
               <a:rPr lang="ko-KR" altLang="en-US" smtClean="0"/>
-              <a:t>2017-03-26</a:t>
+              <a:t>2017-03-27</a:t>
             </a:fld>
             <a:endParaRPr lang="ko-KR" altLang="en-US"/>
           </a:p>
@@ -28140,7 +28140,7 @@
           <a:p>
             <a:fld id="{1654ACF3-E943-4A23-A21B-2BBF8F7FF799}" type="datetimeFigureOut">
               <a:rPr lang="ko-KR" altLang="en-US" smtClean="0"/>
-              <a:t>2017-03-26</a:t>
+              <a:t>2017-03-27</a:t>
             </a:fld>
             <a:endParaRPr lang="ko-KR" altLang="en-US"/>
           </a:p>
@@ -28282,7 +28282,7 @@
           <a:p>
             <a:fld id="{1654ACF3-E943-4A23-A21B-2BBF8F7FF799}" type="datetimeFigureOut">
               <a:rPr lang="ko-KR" altLang="en-US" smtClean="0"/>
-              <a:t>2017-03-26</a:t>
+              <a:t>2017-03-27</a:t>
             </a:fld>
             <a:endParaRPr lang="ko-KR" altLang="en-US"/>
           </a:p>
@@ -28395,7 +28395,7 @@
           <a:p>
             <a:fld id="{1654ACF3-E943-4A23-A21B-2BBF8F7FF799}" type="datetimeFigureOut">
               <a:rPr lang="ko-KR" altLang="en-US" smtClean="0"/>
-              <a:t>2017-03-26</a:t>
+              <a:t>2017-03-27</a:t>
             </a:fld>
             <a:endParaRPr lang="ko-KR" altLang="en-US"/>
           </a:p>
@@ -28708,7 +28708,7 @@
           <a:p>
             <a:fld id="{1654ACF3-E943-4A23-A21B-2BBF8F7FF799}" type="datetimeFigureOut">
               <a:rPr lang="ko-KR" altLang="en-US" smtClean="0"/>
-              <a:t>2017-03-26</a:t>
+              <a:t>2017-03-27</a:t>
             </a:fld>
             <a:endParaRPr lang="ko-KR" altLang="en-US"/>
           </a:p>
@@ -28997,7 +28997,7 @@
           <a:p>
             <a:fld id="{1654ACF3-E943-4A23-A21B-2BBF8F7FF799}" type="datetimeFigureOut">
               <a:rPr lang="ko-KR" altLang="en-US" smtClean="0"/>
-              <a:t>2017-03-26</a:t>
+              <a:t>2017-03-27</a:t>
             </a:fld>
             <a:endParaRPr lang="ko-KR" altLang="en-US"/>
           </a:p>
@@ -29240,7 +29240,7 @@
           <a:p>
             <a:fld id="{1654ACF3-E943-4A23-A21B-2BBF8F7FF799}" type="datetimeFigureOut">
               <a:rPr lang="ko-KR" altLang="en-US" smtClean="0"/>
-              <a:t>2017-03-26</a:t>
+              <a:t>2017-03-27</a:t>
             </a:fld>
             <a:endParaRPr lang="ko-KR" altLang="en-US"/>
           </a:p>
@@ -33135,10 +33135,10 @@
       </p:sp>
       <p:pic>
         <p:nvPicPr>
-          <p:cNvPr id="5" name="Picture 4">
+          <p:cNvPr id="2" name="Picture 1">
             <a:extLst>
               <a:ext uri="{FF2B5EF4-FFF2-40B4-BE49-F238E27FC236}">
-                <a16:creationId xmlns:a16="http://schemas.microsoft.com/office/drawing/2014/main" id="{0B2CF915-A170-4F94-97ED-FAE01261910F}"/>
+                <a16:creationId xmlns:a16="http://schemas.microsoft.com/office/drawing/2014/main" id="{09A88878-A044-457C-AE79-673D5D9E676E}"/>
               </a:ext>
             </a:extLst>
           </p:cNvPr>
@@ -33155,8 +33155,8 @@
         </p:blipFill>
         <p:spPr>
           <a:xfrm>
-            <a:off x="2157412" y="2814638"/>
-            <a:ext cx="7877175" cy="3362325"/>
+            <a:off x="1676833" y="2730059"/>
+            <a:ext cx="8736244" cy="3781144"/>
           </a:xfrm>
           <a:prstGeom prst="rect">
             <a:avLst/>

--- a/130-XAML in Xamarin.Forms/[XAM130]XAML in Xamarin.Forms.pptx
+++ b/130-XAML in Xamarin.Forms/[XAM130]XAML in Xamarin.Forms.pptx
@@ -31308,47 +31308,6 @@
           </a:p>
         </p:txBody>
       </p:sp>
-      <p:sp>
-        <p:nvSpPr>
-          <p:cNvPr id="4" name="Content Placeholder 3">
-            <a:extLst>
-              <a:ext uri="{FF2B5EF4-FFF2-40B4-BE49-F238E27FC236}">
-                <a16:creationId xmlns:a16="http://schemas.microsoft.com/office/drawing/2014/main" id="{44DE9138-2739-4AEB-BEC7-F10350C7E267}"/>
-              </a:ext>
-            </a:extLst>
-          </p:cNvPr>
-          <p:cNvSpPr>
-            <a:spLocks noGrp="1"/>
-          </p:cNvSpPr>
-          <p:nvPr>
-            <p:ph idx="1"/>
-          </p:nvPr>
-        </p:nvSpPr>
-        <p:spPr>
-          <a:xfrm>
-            <a:off x="838200" y="1825625"/>
-            <a:ext cx="10515600" cy="4351338"/>
-          </a:xfrm>
-        </p:spPr>
-        <p:txBody>
-          <a:bodyPr/>
-          <a:lstStyle/>
-          <a:p>
-            <a:r>
-              <a:rPr lang="en-US" altLang="ko-KR" dirty="0"/>
-              <a:t>XML attributes</a:t>
-            </a:r>
-            <a:r>
-              <a:rPr lang="ko-KR" altLang="en-US" dirty="0"/>
-              <a:t>는 문자열 값만 가능하기 때문에 원래 가진 타입 값으로 변환이 됩니다</a:t>
-            </a:r>
-            <a:endParaRPr lang="en-US" altLang="ko-KR" dirty="0"/>
-          </a:p>
-          <a:p>
-            <a:endParaRPr lang="ko-KR" altLang="en-US" dirty="0"/>
-          </a:p>
-        </p:txBody>
-      </p:sp>
       <p:pic>
         <p:nvPicPr>
           <p:cNvPr id="5" name="Picture 4">
@@ -31371,7 +31330,7 @@
         </p:blipFill>
         <p:spPr>
           <a:xfrm>
-            <a:off x="838200" y="3333836"/>
+            <a:off x="838200" y="2796280"/>
             <a:ext cx="10553700" cy="2562225"/>
           </a:xfrm>
           <a:prstGeom prst="rect">
@@ -31393,7 +31352,7 @@
         </p:nvSpPr>
         <p:spPr>
           <a:xfrm>
-            <a:off x="2128058" y="2951451"/>
+            <a:off x="2128058" y="2413895"/>
             <a:ext cx="7753004" cy="382385"/>
           </a:xfrm>
           <a:prstGeom prst="rect">
@@ -31436,7 +31395,7 @@
         </p:nvSpPr>
         <p:spPr>
           <a:xfrm>
-            <a:off x="2128058" y="5896061"/>
+            <a:off x="2128058" y="5358505"/>
             <a:ext cx="7753004" cy="382385"/>
           </a:xfrm>
           <a:prstGeom prst="rect">

--- a/130-XAML in Xamarin.Forms/[XAM130]XAML in Xamarin.Forms.pptx
+++ b/130-XAML in Xamarin.Forms/[XAM130]XAML in Xamarin.Forms.pptx
@@ -220,7 +220,7 @@
           <a:p>
             <a:fld id="{692FDA7D-55D9-49F2-9CD3-09A7FFC86B80}" type="datetimeFigureOut">
               <a:rPr lang="ko-KR" altLang="en-US" smtClean="0"/>
-              <a:t>2017-03-27</a:t>
+              <a:t>2017-03-28</a:t>
             </a:fld>
             <a:endParaRPr lang="ko-KR" altLang="en-US"/>
           </a:p>
@@ -952,7 +952,7 @@
           <a:p>
             <a:fld id="{1654ACF3-E943-4A23-A21B-2BBF8F7FF799}" type="datetimeFigureOut">
               <a:rPr lang="ko-KR" altLang="en-US" smtClean="0"/>
-              <a:t>2017-03-27</a:t>
+              <a:t>2017-03-28</a:t>
             </a:fld>
             <a:endParaRPr lang="ko-KR" altLang="en-US"/>
           </a:p>
@@ -1152,7 +1152,7 @@
           <a:p>
             <a:fld id="{1654ACF3-E943-4A23-A21B-2BBF8F7FF799}" type="datetimeFigureOut">
               <a:rPr lang="ko-KR" altLang="en-US" smtClean="0"/>
-              <a:t>2017-03-27</a:t>
+              <a:t>2017-03-28</a:t>
             </a:fld>
             <a:endParaRPr lang="ko-KR" altLang="en-US"/>
           </a:p>
@@ -1362,7 +1362,7 @@
           <a:p>
             <a:fld id="{1654ACF3-E943-4A23-A21B-2BBF8F7FF799}" type="datetimeFigureOut">
               <a:rPr lang="ko-KR" altLang="en-US" smtClean="0"/>
-              <a:t>2017-03-27</a:t>
+              <a:t>2017-03-28</a:t>
             </a:fld>
             <a:endParaRPr lang="ko-KR" altLang="en-US"/>
           </a:p>
@@ -25823,7 +25823,7 @@
           <a:p>
             <a:fld id="{1654ACF3-E943-4A23-A21B-2BBF8F7FF799}" type="datetimeFigureOut">
               <a:rPr lang="ko-KR" altLang="en-US" smtClean="0"/>
-              <a:t>2017-03-27</a:t>
+              <a:t>2017-03-28</a:t>
             </a:fld>
             <a:endParaRPr lang="ko-KR" altLang="en-US"/>
           </a:p>
@@ -27457,7 +27457,7 @@
           <a:p>
             <a:fld id="{1654ACF3-E943-4A23-A21B-2BBF8F7FF799}" type="datetimeFigureOut">
               <a:rPr lang="ko-KR" altLang="en-US" smtClean="0"/>
-              <a:t>2017-03-27</a:t>
+              <a:t>2017-03-28</a:t>
             </a:fld>
             <a:endParaRPr lang="ko-KR" altLang="en-US"/>
           </a:p>
@@ -27725,7 +27725,7 @@
           <a:p>
             <a:fld id="{1654ACF3-E943-4A23-A21B-2BBF8F7FF799}" type="datetimeFigureOut">
               <a:rPr lang="ko-KR" altLang="en-US" smtClean="0"/>
-              <a:t>2017-03-27</a:t>
+              <a:t>2017-03-28</a:t>
             </a:fld>
             <a:endParaRPr lang="ko-KR" altLang="en-US"/>
           </a:p>
@@ -28140,7 +28140,7 @@
           <a:p>
             <a:fld id="{1654ACF3-E943-4A23-A21B-2BBF8F7FF799}" type="datetimeFigureOut">
               <a:rPr lang="ko-KR" altLang="en-US" smtClean="0"/>
-              <a:t>2017-03-27</a:t>
+              <a:t>2017-03-28</a:t>
             </a:fld>
             <a:endParaRPr lang="ko-KR" altLang="en-US"/>
           </a:p>
@@ -28282,7 +28282,7 @@
           <a:p>
             <a:fld id="{1654ACF3-E943-4A23-A21B-2BBF8F7FF799}" type="datetimeFigureOut">
               <a:rPr lang="ko-KR" altLang="en-US" smtClean="0"/>
-              <a:t>2017-03-27</a:t>
+              <a:t>2017-03-28</a:t>
             </a:fld>
             <a:endParaRPr lang="ko-KR" altLang="en-US"/>
           </a:p>
@@ -28395,7 +28395,7 @@
           <a:p>
             <a:fld id="{1654ACF3-E943-4A23-A21B-2BBF8F7FF799}" type="datetimeFigureOut">
               <a:rPr lang="ko-KR" altLang="en-US" smtClean="0"/>
-              <a:t>2017-03-27</a:t>
+              <a:t>2017-03-28</a:t>
             </a:fld>
             <a:endParaRPr lang="ko-KR" altLang="en-US"/>
           </a:p>
@@ -28708,7 +28708,7 @@
           <a:p>
             <a:fld id="{1654ACF3-E943-4A23-A21B-2BBF8F7FF799}" type="datetimeFigureOut">
               <a:rPr lang="ko-KR" altLang="en-US" smtClean="0"/>
-              <a:t>2017-03-27</a:t>
+              <a:t>2017-03-28</a:t>
             </a:fld>
             <a:endParaRPr lang="ko-KR" altLang="en-US"/>
           </a:p>
@@ -28997,7 +28997,7 @@
           <a:p>
             <a:fld id="{1654ACF3-E943-4A23-A21B-2BBF8F7FF799}" type="datetimeFigureOut">
               <a:rPr lang="ko-KR" altLang="en-US" smtClean="0"/>
-              <a:t>2017-03-27</a:t>
+              <a:t>2017-03-28</a:t>
             </a:fld>
             <a:endParaRPr lang="ko-KR" altLang="en-US"/>
           </a:p>
@@ -29240,7 +29240,7 @@
           <a:p>
             <a:fld id="{1654ACF3-E943-4A23-A21B-2BBF8F7FF799}" type="datetimeFigureOut">
               <a:rPr lang="ko-KR" altLang="en-US" smtClean="0"/>
-              <a:t>2017-03-27</a:t>
+              <a:t>2017-03-28</a:t>
             </a:fld>
             <a:endParaRPr lang="ko-KR" altLang="en-US"/>
           </a:p>
@@ -31525,7 +31525,7 @@
         </p:blipFill>
         <p:spPr>
           <a:xfrm>
-            <a:off x="1050521" y="1641172"/>
+            <a:off x="1089314" y="1630089"/>
             <a:ext cx="5524500" cy="4953000"/>
           </a:xfrm>
           <a:prstGeom prst="rect">

--- a/130-XAML in Xamarin.Forms/[XAM130]XAML in Xamarin.Forms.pptx
+++ b/130-XAML in Xamarin.Forms/[XAM130]XAML in Xamarin.Forms.pptx
@@ -6,28 +6,27 @@
     <p:sldMasterId id="2147483660" r:id="rId2"/>
   </p:sldMasterIdLst>
   <p:notesMasterIdLst>
-    <p:notesMasterId r:id="rId22"/>
+    <p:notesMasterId r:id="rId21"/>
   </p:notesMasterIdLst>
   <p:sldIdLst>
     <p:sldId id="331" r:id="rId3"/>
     <p:sldId id="316" r:id="rId4"/>
     <p:sldId id="317" r:id="rId5"/>
-    <p:sldId id="318" r:id="rId6"/>
-    <p:sldId id="319" r:id="rId7"/>
-    <p:sldId id="320" r:id="rId8"/>
-    <p:sldId id="321" r:id="rId9"/>
-    <p:sldId id="322" r:id="rId10"/>
-    <p:sldId id="292" r:id="rId11"/>
-    <p:sldId id="323" r:id="rId12"/>
-    <p:sldId id="324" r:id="rId13"/>
-    <p:sldId id="325" r:id="rId14"/>
-    <p:sldId id="326" r:id="rId15"/>
-    <p:sldId id="327" r:id="rId16"/>
-    <p:sldId id="328" r:id="rId17"/>
-    <p:sldId id="329" r:id="rId18"/>
-    <p:sldId id="330" r:id="rId19"/>
-    <p:sldId id="333" r:id="rId20"/>
-    <p:sldId id="332" r:id="rId21"/>
+    <p:sldId id="319" r:id="rId6"/>
+    <p:sldId id="320" r:id="rId7"/>
+    <p:sldId id="321" r:id="rId8"/>
+    <p:sldId id="322" r:id="rId9"/>
+    <p:sldId id="292" r:id="rId10"/>
+    <p:sldId id="323" r:id="rId11"/>
+    <p:sldId id="324" r:id="rId12"/>
+    <p:sldId id="325" r:id="rId13"/>
+    <p:sldId id="326" r:id="rId14"/>
+    <p:sldId id="327" r:id="rId15"/>
+    <p:sldId id="328" r:id="rId16"/>
+    <p:sldId id="329" r:id="rId17"/>
+    <p:sldId id="330" r:id="rId18"/>
+    <p:sldId id="333" r:id="rId19"/>
+    <p:sldId id="332" r:id="rId20"/>
   </p:sldIdLst>
   <p:sldSz cx="12192000" cy="6858000"/>
   <p:notesSz cx="6858000" cy="9144000"/>
@@ -771,7 +770,7 @@
                 <a:tabLst/>
                 <a:defRPr/>
               </a:pPr>
-              <a:t>18</a:t>
+              <a:t>17</a:t>
             </a:fld>
             <a:endParaRPr kumimoji="0" lang="ko-KR" altLang="en-US" sz="1200" b="0" i="0" u="none" strike="noStrike" kern="1200" cap="none" spc="0" normalizeH="0" baseline="0" noProof="0">
               <a:ln>
@@ -30493,154 +30492,6 @@
           <a:p>
             <a:r>
               <a:rPr lang="en-US" altLang="ko-KR" dirty="0"/>
-              <a:t>XAML </a:t>
-            </a:r>
-            <a:r>
-              <a:rPr lang="ko-KR" altLang="en-US" dirty="0"/>
-              <a:t>빌드 타입</a:t>
-            </a:r>
-          </a:p>
-        </p:txBody>
-      </p:sp>
-      <p:sp>
-        <p:nvSpPr>
-          <p:cNvPr id="4" name="Content Placeholder 3">
-            <a:extLst>
-              <a:ext uri="{FF2B5EF4-FFF2-40B4-BE49-F238E27FC236}">
-                <a16:creationId xmlns:a16="http://schemas.microsoft.com/office/drawing/2014/main" id="{44DE9138-2739-4AEB-BEC7-F10350C7E267}"/>
-              </a:ext>
-            </a:extLst>
-          </p:cNvPr>
-          <p:cNvSpPr>
-            <a:spLocks noGrp="1"/>
-          </p:cNvSpPr>
-          <p:nvPr>
-            <p:ph idx="1"/>
-          </p:nvPr>
-        </p:nvSpPr>
-        <p:spPr/>
-        <p:txBody>
-          <a:bodyPr/>
-          <a:lstStyle/>
-          <a:p>
-            <a:r>
-              <a:rPr lang="en-US" altLang="ko-KR" dirty="0"/>
-              <a:t>XAML </a:t>
-            </a:r>
-            <a:r>
-              <a:rPr lang="ko-KR" altLang="en-US" dirty="0"/>
-              <a:t>파일은 빌드될 때 </a:t>
-            </a:r>
-            <a:r>
-              <a:rPr lang="en-US" altLang="ko-KR" dirty="0"/>
-              <a:t>embedded resources</a:t>
-            </a:r>
-            <a:r>
-              <a:rPr lang="ko-KR" altLang="en-US" dirty="0"/>
-              <a:t> 로 특수한 빌드 타입인 </a:t>
-            </a:r>
-            <a:r>
-              <a:rPr lang="en-US" altLang="ko-KR" dirty="0"/>
-              <a:t>“</a:t>
-            </a:r>
-            <a:r>
-              <a:rPr lang="en-US" altLang="ko-KR" dirty="0" err="1"/>
-              <a:t>MSBuild:UpadateDesignTimeXaml</a:t>
-            </a:r>
-            <a:r>
-              <a:rPr lang="en-US" altLang="ko-KR" dirty="0"/>
-              <a:t>”</a:t>
-            </a:r>
-            <a:r>
-              <a:rPr lang="ko-KR" altLang="en-US" dirty="0"/>
-              <a:t>를 취합니다</a:t>
-            </a:r>
-          </a:p>
-        </p:txBody>
-      </p:sp>
-      <p:pic>
-        <p:nvPicPr>
-          <p:cNvPr id="2" name="Picture 1">
-            <a:extLst>
-              <a:ext uri="{FF2B5EF4-FFF2-40B4-BE49-F238E27FC236}">
-                <a16:creationId xmlns:a16="http://schemas.microsoft.com/office/drawing/2014/main" id="{4952666D-0244-47C4-961B-4CE7EF730E06}"/>
-              </a:ext>
-            </a:extLst>
-          </p:cNvPr>
-          <p:cNvPicPr>
-            <a:picLocks noChangeAspect="1"/>
-          </p:cNvPicPr>
-          <p:nvPr/>
-        </p:nvPicPr>
-        <p:blipFill>
-          <a:blip r:embed="rId2"/>
-          <a:stretch>
-            <a:fillRect/>
-          </a:stretch>
-        </p:blipFill>
-        <p:spPr>
-          <a:xfrm>
-            <a:off x="1938337" y="2888154"/>
-            <a:ext cx="8315325" cy="3752850"/>
-          </a:xfrm>
-          <a:prstGeom prst="rect">
-            <a:avLst/>
-          </a:prstGeom>
-        </p:spPr>
-      </p:pic>
-    </p:spTree>
-    <p:extLst>
-      <p:ext uri="{BB962C8B-B14F-4D97-AF65-F5344CB8AC3E}">
-        <p14:creationId xmlns:p14="http://schemas.microsoft.com/office/powerpoint/2010/main" val="1579015657"/>
-      </p:ext>
-    </p:extLst>
-  </p:cSld>
-  <p:clrMapOvr>
-    <a:masterClrMapping/>
-  </p:clrMapOvr>
-</p:sld>
-</file>
-
-<file path=ppt/slides/slide11.xml><?xml version="1.0" encoding="utf-8"?>
-<p:sld xmlns:a="http://schemas.openxmlformats.org/drawingml/2006/main" xmlns:r="http://schemas.openxmlformats.org/officeDocument/2006/relationships" xmlns:p="http://schemas.openxmlformats.org/presentationml/2006/main">
-  <p:cSld>
-    <p:spTree>
-      <p:nvGrpSpPr>
-        <p:cNvPr id="1" name=""/>
-        <p:cNvGrpSpPr/>
-        <p:nvPr/>
-      </p:nvGrpSpPr>
-      <p:grpSpPr>
-        <a:xfrm>
-          <a:off x="0" y="0"/>
-          <a:ext cx="0" cy="0"/>
-          <a:chOff x="0" y="0"/>
-          <a:chExt cx="0" cy="0"/>
-        </a:xfrm>
-      </p:grpSpPr>
-      <p:sp>
-        <p:nvSpPr>
-          <p:cNvPr id="3" name="Title 2">
-            <a:extLst>
-              <a:ext uri="{FF2B5EF4-FFF2-40B4-BE49-F238E27FC236}">
-                <a16:creationId xmlns:a16="http://schemas.microsoft.com/office/drawing/2014/main" id="{254E2B85-3374-4348-98B5-FF4BA49E2D88}"/>
-              </a:ext>
-            </a:extLst>
-          </p:cNvPr>
-          <p:cNvSpPr>
-            <a:spLocks noGrp="1"/>
-          </p:cNvSpPr>
-          <p:nvPr>
-            <p:ph type="title"/>
-          </p:nvPr>
-        </p:nvSpPr>
-        <p:spPr/>
-        <p:txBody>
-          <a:bodyPr/>
-          <a:lstStyle/>
-          <a:p>
-            <a:r>
-              <a:rPr lang="en-US" altLang="ko-KR" dirty="0"/>
               <a:t>XAML + Code Behind</a:t>
             </a:r>
             <a:endParaRPr lang="ko-KR" altLang="en-US" dirty="0"/>
@@ -30754,7 +30605,7 @@
 </p:sld>
 </file>
 
-<file path=ppt/slides/slide12.xml><?xml version="1.0" encoding="utf-8"?>
+<file path=ppt/slides/slide11.xml><?xml version="1.0" encoding="utf-8"?>
 <p:sld xmlns:a="http://schemas.openxmlformats.org/drawingml/2006/main" xmlns:r="http://schemas.openxmlformats.org/officeDocument/2006/relationships" xmlns:p="http://schemas.openxmlformats.org/presentationml/2006/main">
   <p:cSld>
     <p:spTree>
@@ -30918,7 +30769,7 @@
 </p:sld>
 </file>
 
-<file path=ppt/slides/slide13.xml><?xml version="1.0" encoding="utf-8"?>
+<file path=ppt/slides/slide12.xml><?xml version="1.0" encoding="utf-8"?>
 <p:sld xmlns:a="http://schemas.openxmlformats.org/drawingml/2006/main" xmlns:r="http://schemas.openxmlformats.org/officeDocument/2006/relationships" xmlns:p="http://schemas.openxmlformats.org/presentationml/2006/main">
   <p:cSld>
     <p:spTree>
@@ -31090,7 +30941,7 @@
 </p:sld>
 </file>
 
-<file path=ppt/slides/slide14.xml><?xml version="1.0" encoding="utf-8"?>
+<file path=ppt/slides/slide13.xml><?xml version="1.0" encoding="utf-8"?>
 <p:sld xmlns:a="http://schemas.openxmlformats.org/drawingml/2006/main" xmlns:r="http://schemas.openxmlformats.org/officeDocument/2006/relationships" xmlns:p="http://schemas.openxmlformats.org/presentationml/2006/main">
   <p:cSld>
     <p:spTree>
@@ -31262,7 +31113,7 @@
 </p:sld>
 </file>
 
-<file path=ppt/slides/slide15.xml><?xml version="1.0" encoding="utf-8"?>
+<file path=ppt/slides/slide14.xml><?xml version="1.0" encoding="utf-8"?>
 <p:sld xmlns:a="http://schemas.openxmlformats.org/drawingml/2006/main" xmlns:r="http://schemas.openxmlformats.org/officeDocument/2006/relationships" xmlns:p="http://schemas.openxmlformats.org/presentationml/2006/main">
   <p:cSld>
     <p:spTree>
@@ -31449,7 +31300,7 @@
 </p:sld>
 </file>
 
-<file path=ppt/slides/slide16.xml><?xml version="1.0" encoding="utf-8"?>
+<file path=ppt/slides/slide15.xml><?xml version="1.0" encoding="utf-8"?>
 <p:sld xmlns:a="http://schemas.openxmlformats.org/drawingml/2006/main" xmlns:r="http://schemas.openxmlformats.org/officeDocument/2006/relationships" xmlns:p="http://schemas.openxmlformats.org/presentationml/2006/main">
   <p:cSld>
     <p:spTree>
@@ -31588,7 +31439,7 @@
 </p:sld>
 </file>
 
-<file path=ppt/slides/slide17.xml><?xml version="1.0" encoding="utf-8"?>
+<file path=ppt/slides/slide16.xml><?xml version="1.0" encoding="utf-8"?>
 <p:sld xmlns:a="http://schemas.openxmlformats.org/drawingml/2006/main" xmlns:r="http://schemas.openxmlformats.org/officeDocument/2006/relationships" xmlns:p="http://schemas.openxmlformats.org/presentationml/2006/main">
   <p:cSld>
     <p:spTree>
@@ -31725,7 +31576,7 @@
 </p:sld>
 </file>
 
-<file path=ppt/slides/slide18.xml><?xml version="1.0" encoding="utf-8"?>
+<file path=ppt/slides/slide17.xml><?xml version="1.0" encoding="utf-8"?>
 <p:sld xmlns:a="http://schemas.openxmlformats.org/drawingml/2006/main" xmlns:r="http://schemas.openxmlformats.org/officeDocument/2006/relationships" xmlns:p="http://schemas.openxmlformats.org/presentationml/2006/main">
   <p:cSld>
     <p:bg>
@@ -31845,7 +31696,7 @@
 </p:sld>
 </file>
 
-<file path=ppt/slides/slide19.xml><?xml version="1.0" encoding="utf-8"?>
+<file path=ppt/slides/slide18.xml><?xml version="1.0" encoding="utf-8"?>
 <p:sld xmlns:a="http://schemas.openxmlformats.org/drawingml/2006/main" xmlns:r="http://schemas.openxmlformats.org/officeDocument/2006/relationships" xmlns:p="http://schemas.openxmlformats.org/presentationml/2006/main">
   <p:cSld>
     <p:spTree>
@@ -32335,117 +32186,6 @@
       </p:sp>
       <p:pic>
         <p:nvPicPr>
-          <p:cNvPr id="1026" name="Picture 2" descr="https://developer.xamarin.com/guides/xamarin-forms/xaml/xaml-basics/getting_started_with_xaml/Images/XamlPlusCode1.png">
-            <a:extLst>
-              <a:ext uri="{FF2B5EF4-FFF2-40B4-BE49-F238E27FC236}">
-                <a16:creationId xmlns:a16="http://schemas.microsoft.com/office/drawing/2014/main" id="{B33D742C-13D4-4BB0-9262-197F57F2857A}"/>
-              </a:ext>
-            </a:extLst>
-          </p:cNvPr>
-          <p:cNvPicPr>
-            <a:picLocks noGrp="1" noChangeAspect="1" noChangeArrowheads="1"/>
-          </p:cNvPicPr>
-          <p:nvPr>
-            <p:ph idx="1"/>
-          </p:nvPr>
-        </p:nvPicPr>
-        <p:blipFill>
-          <a:blip r:embed="rId2">
-            <a:extLst>
-              <a:ext uri="{28A0092B-C50C-407E-A947-70E740481C1C}">
-                <a14:useLocalDpi xmlns:a14="http://schemas.microsoft.com/office/drawing/2010/main" val="0"/>
-              </a:ext>
-            </a:extLst>
-          </a:blip>
-          <a:srcRect/>
-          <a:stretch>
-            <a:fillRect/>
-          </a:stretch>
-        </p:blipFill>
-        <p:spPr bwMode="auto">
-          <a:xfrm>
-            <a:off x="2174738" y="1690688"/>
-            <a:ext cx="7973884" cy="4784331"/>
-          </a:xfrm>
-          <a:prstGeom prst="rect">
-            <a:avLst/>
-          </a:prstGeom>
-          <a:noFill/>
-          <a:extLst>
-            <a:ext uri="{909E8E84-426E-40DD-AFC4-6F175D3DCCD1}">
-              <a14:hiddenFill xmlns:a14="http://schemas.microsoft.com/office/drawing/2010/main">
-                <a:solidFill>
-                  <a:srgbClr val="FFFFFF"/>
-                </a:solidFill>
-              </a14:hiddenFill>
-            </a:ext>
-          </a:extLst>
-        </p:spPr>
-      </p:pic>
-    </p:spTree>
-    <p:extLst>
-      <p:ext uri="{BB962C8B-B14F-4D97-AF65-F5344CB8AC3E}">
-        <p14:creationId xmlns:p14="http://schemas.microsoft.com/office/powerpoint/2010/main" val="2163499892"/>
-      </p:ext>
-    </p:extLst>
-  </p:cSld>
-  <p:clrMapOvr>
-    <a:masterClrMapping/>
-  </p:clrMapOvr>
-</p:sld>
-</file>
-
-<file path=ppt/slides/slide5.xml><?xml version="1.0" encoding="utf-8"?>
-<p:sld xmlns:a="http://schemas.openxmlformats.org/drawingml/2006/main" xmlns:r="http://schemas.openxmlformats.org/officeDocument/2006/relationships" xmlns:p="http://schemas.openxmlformats.org/presentationml/2006/main">
-  <p:cSld>
-    <p:spTree>
-      <p:nvGrpSpPr>
-        <p:cNvPr id="1" name=""/>
-        <p:cNvGrpSpPr/>
-        <p:nvPr/>
-      </p:nvGrpSpPr>
-      <p:grpSpPr>
-        <a:xfrm>
-          <a:off x="0" y="0"/>
-          <a:ext cx="0" cy="0"/>
-          <a:chOff x="0" y="0"/>
-          <a:chExt cx="0" cy="0"/>
-        </a:xfrm>
-      </p:grpSpPr>
-      <p:sp>
-        <p:nvSpPr>
-          <p:cNvPr id="2" name="Title 1">
-            <a:extLst>
-              <a:ext uri="{FF2B5EF4-FFF2-40B4-BE49-F238E27FC236}">
-                <a16:creationId xmlns:a16="http://schemas.microsoft.com/office/drawing/2014/main" id="{3305A4B1-BC28-4B20-9329-66E7D2BF52B0}"/>
-              </a:ext>
-            </a:extLst>
-          </p:cNvPr>
-          <p:cNvSpPr>
-            <a:spLocks noGrp="1"/>
-          </p:cNvSpPr>
-          <p:nvPr>
-            <p:ph type="title"/>
-          </p:nvPr>
-        </p:nvSpPr>
-        <p:spPr/>
-        <p:txBody>
-          <a:bodyPr/>
-          <a:lstStyle/>
-          <a:p>
-            <a:r>
-              <a:rPr lang="en-US" altLang="ko-KR" dirty="0"/>
-              <a:t>XAML </a:t>
-            </a:r>
-            <a:r>
-              <a:rPr lang="ko-KR" altLang="en-US" dirty="0"/>
-              <a:t>사용 예제</a:t>
-            </a:r>
-          </a:p>
-        </p:txBody>
-      </p:sp>
-      <p:pic>
-        <p:nvPicPr>
           <p:cNvPr id="7" name="그림 3">
             <a:extLst>
               <a:ext uri="{FF2B5EF4-FFF2-40B4-BE49-F238E27FC236}">
@@ -32472,8 +32212,8 @@
         </p:blipFill>
         <p:spPr>
           <a:xfrm>
-            <a:off x="1177677" y="1409030"/>
-            <a:ext cx="4248472" cy="5437510"/>
+            <a:off x="1600664" y="1801092"/>
+            <a:ext cx="3951098" cy="5056908"/>
           </a:xfrm>
           <a:prstGeom prst="rect">
             <a:avLst/>
@@ -32508,7 +32248,7 @@
         </p:blipFill>
         <p:spPr>
           <a:xfrm>
-            <a:off x="6434261" y="1409030"/>
+            <a:off x="6096000" y="1801092"/>
             <a:ext cx="3888432" cy="3393721"/>
           </a:xfrm>
           <a:prstGeom prst="rect">
@@ -32529,7 +32269,7 @@
 </p:sld>
 </file>
 
-<file path=ppt/slides/slide6.xml><?xml version="1.0" encoding="utf-8"?>
+<file path=ppt/slides/slide5.xml><?xml version="1.0" encoding="utf-8"?>
 <p:sld xmlns:a="http://schemas.openxmlformats.org/drawingml/2006/main" xmlns:r="http://schemas.openxmlformats.org/officeDocument/2006/relationships" xmlns:p="http://schemas.openxmlformats.org/presentationml/2006/main">
   <p:cSld>
     <p:spTree>
@@ -32682,7 +32422,7 @@
 </p:sld>
 </file>
 
-<file path=ppt/slides/slide7.xml><?xml version="1.0" encoding="utf-8"?>
+<file path=ppt/slides/slide6.xml><?xml version="1.0" encoding="utf-8"?>
 <p:sld xmlns:a="http://schemas.openxmlformats.org/drawingml/2006/main" xmlns:r="http://schemas.openxmlformats.org/officeDocument/2006/relationships" xmlns:p="http://schemas.openxmlformats.org/presentationml/2006/main">
   <p:cSld>
     <p:spTree>
@@ -32847,7 +32587,7 @@
 </p:sld>
 </file>
 
-<file path=ppt/slides/slide8.xml><?xml version="1.0" encoding="utf-8"?>
+<file path=ppt/slides/slide7.xml><?xml version="1.0" encoding="utf-8"?>
 <p:sld xmlns:a="http://schemas.openxmlformats.org/drawingml/2006/main" xmlns:r="http://schemas.openxmlformats.org/officeDocument/2006/relationships" xmlns:p="http://schemas.openxmlformats.org/presentationml/2006/main">
   <p:cSld>
     <p:spTree>
@@ -32983,7 +32723,7 @@
 </p:sld>
 </file>
 
-<file path=ppt/slides/slide9.xml><?xml version="1.0" encoding="utf-8"?>
+<file path=ppt/slides/slide8.xml><?xml version="1.0" encoding="utf-8"?>
 <p:sld xmlns:a="http://schemas.openxmlformats.org/drawingml/2006/main" xmlns:r="http://schemas.openxmlformats.org/officeDocument/2006/relationships" xmlns:p="http://schemas.openxmlformats.org/presentationml/2006/main">
   <p:cSld>
     <p:spTree>
@@ -33126,6 +32866,154 @@
     <p:extLst>
       <p:ext uri="{BB962C8B-B14F-4D97-AF65-F5344CB8AC3E}">
         <p14:creationId xmlns:p14="http://schemas.microsoft.com/office/powerpoint/2010/main" val="299963407"/>
+      </p:ext>
+    </p:extLst>
+  </p:cSld>
+  <p:clrMapOvr>
+    <a:masterClrMapping/>
+  </p:clrMapOvr>
+</p:sld>
+</file>
+
+<file path=ppt/slides/slide9.xml><?xml version="1.0" encoding="utf-8"?>
+<p:sld xmlns:a="http://schemas.openxmlformats.org/drawingml/2006/main" xmlns:r="http://schemas.openxmlformats.org/officeDocument/2006/relationships" xmlns:p="http://schemas.openxmlformats.org/presentationml/2006/main">
+  <p:cSld>
+    <p:spTree>
+      <p:nvGrpSpPr>
+        <p:cNvPr id="1" name=""/>
+        <p:cNvGrpSpPr/>
+        <p:nvPr/>
+      </p:nvGrpSpPr>
+      <p:grpSpPr>
+        <a:xfrm>
+          <a:off x="0" y="0"/>
+          <a:ext cx="0" cy="0"/>
+          <a:chOff x="0" y="0"/>
+          <a:chExt cx="0" cy="0"/>
+        </a:xfrm>
+      </p:grpSpPr>
+      <p:sp>
+        <p:nvSpPr>
+          <p:cNvPr id="3" name="Title 2">
+            <a:extLst>
+              <a:ext uri="{FF2B5EF4-FFF2-40B4-BE49-F238E27FC236}">
+                <a16:creationId xmlns:a16="http://schemas.microsoft.com/office/drawing/2014/main" id="{254E2B85-3374-4348-98B5-FF4BA49E2D88}"/>
+              </a:ext>
+            </a:extLst>
+          </p:cNvPr>
+          <p:cNvSpPr>
+            <a:spLocks noGrp="1"/>
+          </p:cNvSpPr>
+          <p:nvPr>
+            <p:ph type="title"/>
+          </p:nvPr>
+        </p:nvSpPr>
+        <p:spPr/>
+        <p:txBody>
+          <a:bodyPr/>
+          <a:lstStyle/>
+          <a:p>
+            <a:r>
+              <a:rPr lang="en-US" altLang="ko-KR" dirty="0"/>
+              <a:t>XAML </a:t>
+            </a:r>
+            <a:r>
+              <a:rPr lang="ko-KR" altLang="en-US" dirty="0"/>
+              <a:t>빌드 타입</a:t>
+            </a:r>
+          </a:p>
+        </p:txBody>
+      </p:sp>
+      <p:sp>
+        <p:nvSpPr>
+          <p:cNvPr id="4" name="Content Placeholder 3">
+            <a:extLst>
+              <a:ext uri="{FF2B5EF4-FFF2-40B4-BE49-F238E27FC236}">
+                <a16:creationId xmlns:a16="http://schemas.microsoft.com/office/drawing/2014/main" id="{44DE9138-2739-4AEB-BEC7-F10350C7E267}"/>
+              </a:ext>
+            </a:extLst>
+          </p:cNvPr>
+          <p:cNvSpPr>
+            <a:spLocks noGrp="1"/>
+          </p:cNvSpPr>
+          <p:nvPr>
+            <p:ph idx="1"/>
+          </p:nvPr>
+        </p:nvSpPr>
+        <p:spPr/>
+        <p:txBody>
+          <a:bodyPr/>
+          <a:lstStyle/>
+          <a:p>
+            <a:r>
+              <a:rPr lang="en-US" altLang="ko-KR" dirty="0"/>
+              <a:t>XAML </a:t>
+            </a:r>
+            <a:r>
+              <a:rPr lang="ko-KR" altLang="en-US" dirty="0"/>
+              <a:t>파일은 빌드될 때 </a:t>
+            </a:r>
+            <a:r>
+              <a:rPr lang="en-US" altLang="ko-KR" dirty="0"/>
+              <a:t>embedded resources</a:t>
+            </a:r>
+            <a:r>
+              <a:rPr lang="ko-KR" altLang="en-US" dirty="0"/>
+              <a:t> 로 특수한 빌드 타입인 </a:t>
+            </a:r>
+            <a:r>
+              <a:rPr lang="en-US" altLang="ko-KR" dirty="0"/>
+              <a:t>“</a:t>
+            </a:r>
+            <a:r>
+              <a:rPr lang="en-US" altLang="ko-KR" dirty="0" err="1"/>
+              <a:t>MSBuild:UpadateDesignTimeXaml</a:t>
+            </a:r>
+            <a:r>
+              <a:rPr lang="en-US" altLang="ko-KR" dirty="0"/>
+              <a:t>”</a:t>
+            </a:r>
+            <a:r>
+              <a:rPr lang="ko-KR" altLang="en-US" dirty="0"/>
+              <a:t>를 취합니다</a:t>
+            </a:r>
+          </a:p>
+        </p:txBody>
+      </p:sp>
+      <p:pic>
+        <p:nvPicPr>
+          <p:cNvPr id="2" name="Picture 1">
+            <a:extLst>
+              <a:ext uri="{FF2B5EF4-FFF2-40B4-BE49-F238E27FC236}">
+                <a16:creationId xmlns:a16="http://schemas.microsoft.com/office/drawing/2014/main" id="{4952666D-0244-47C4-961B-4CE7EF730E06}"/>
+              </a:ext>
+            </a:extLst>
+          </p:cNvPr>
+          <p:cNvPicPr>
+            <a:picLocks noChangeAspect="1"/>
+          </p:cNvPicPr>
+          <p:nvPr/>
+        </p:nvPicPr>
+        <p:blipFill>
+          <a:blip r:embed="rId2"/>
+          <a:stretch>
+            <a:fillRect/>
+          </a:stretch>
+        </p:blipFill>
+        <p:spPr>
+          <a:xfrm>
+            <a:off x="1938337" y="2888154"/>
+            <a:ext cx="8315325" cy="3752850"/>
+          </a:xfrm>
+          <a:prstGeom prst="rect">
+            <a:avLst/>
+          </a:prstGeom>
+        </p:spPr>
+      </p:pic>
+    </p:spTree>
+    <p:extLst>
+      <p:ext uri="{BB962C8B-B14F-4D97-AF65-F5344CB8AC3E}">
+        <p14:creationId xmlns:p14="http://schemas.microsoft.com/office/powerpoint/2010/main" val="1579015657"/>
       </p:ext>
     </p:extLst>
   </p:cSld>
